--- a/BDIIA04.pptx
+++ b/BDIIA04.pptx
@@ -12,8 +12,7 @@
     <p:sldId id="259" r:id="rId6"/>
     <p:sldId id="260" r:id="rId7"/>
     <p:sldId id="261" r:id="rId8"/>
-    <p:sldId id="263" r:id="rId9"/>
-    <p:sldId id="262" r:id="rId10"/>
+    <p:sldId id="262" r:id="rId9"/>
   </p:sldIdLst>
   <p:sldSz cx="12192000" cy="6858000"/>
   <p:notesSz cx="6858000" cy="9144000"/>
@@ -312,7 +311,7 @@
             <a:fld id="{B61BEF0D-F0BB-DE4B-95CE-6DB70DBA9567}" type="datetimeFigureOut">
               <a:rPr lang="en-US" dirty="0"/>
               <a:pPr/>
-              <a:t>6/16/2020</a:t>
+              <a:t>4/19/2021</a:t>
             </a:fld>
             <a:endParaRPr lang="en-US" dirty="0"/>
           </a:p>
@@ -745,7 +744,7 @@
             <a:fld id="{B61BEF0D-F0BB-DE4B-95CE-6DB70DBA9567}" type="datetimeFigureOut">
               <a:rPr lang="en-US" dirty="0"/>
               <a:pPr/>
-              <a:t>6/16/2020</a:t>
+              <a:t>4/19/2021</a:t>
             </a:fld>
             <a:endParaRPr lang="en-US" dirty="0"/>
           </a:p>
@@ -992,7 +991,7 @@
             <a:fld id="{B61BEF0D-F0BB-DE4B-95CE-6DB70DBA9567}" type="datetimeFigureOut">
               <a:rPr lang="en-US" dirty="0"/>
               <a:pPr/>
-              <a:t>6/16/2020</a:t>
+              <a:t>4/19/2021</a:t>
             </a:fld>
             <a:endParaRPr lang="en-US" dirty="0"/>
           </a:p>
@@ -1297,7 +1296,7 @@
             <a:fld id="{B61BEF0D-F0BB-DE4B-95CE-6DB70DBA9567}" type="datetimeFigureOut">
               <a:rPr lang="en-US" dirty="0"/>
               <a:pPr/>
-              <a:t>6/16/2020</a:t>
+              <a:t>4/19/2021</a:t>
             </a:fld>
             <a:endParaRPr lang="en-US" dirty="0"/>
           </a:p>
@@ -1612,7 +1611,7 @@
             <a:fld id="{B61BEF0D-F0BB-DE4B-95CE-6DB70DBA9567}" type="datetimeFigureOut">
               <a:rPr lang="en-US" dirty="0"/>
               <a:pPr/>
-              <a:t>6/16/2020</a:t>
+              <a:t>4/19/2021</a:t>
             </a:fld>
             <a:endParaRPr lang="en-US" dirty="0"/>
           </a:p>
@@ -1911,7 +1910,7 @@
             <a:fld id="{B61BEF0D-F0BB-DE4B-95CE-6DB70DBA9567}" type="datetimeFigureOut">
               <a:rPr lang="en-US" dirty="0"/>
               <a:pPr/>
-              <a:t>6/16/2020</a:t>
+              <a:t>4/19/2021</a:t>
             </a:fld>
             <a:endParaRPr lang="en-US" dirty="0"/>
           </a:p>
@@ -2275,7 +2274,7 @@
             <a:fld id="{B61BEF0D-F0BB-DE4B-95CE-6DB70DBA9567}" type="datetimeFigureOut">
               <a:rPr lang="en-US" dirty="0"/>
               <a:pPr/>
-              <a:t>6/16/2020</a:t>
+              <a:t>4/19/2021</a:t>
             </a:fld>
             <a:endParaRPr lang="en-US" dirty="0"/>
           </a:p>
@@ -2446,7 +2445,7 @@
             <a:fld id="{B61BEF0D-F0BB-DE4B-95CE-6DB70DBA9567}" type="datetimeFigureOut">
               <a:rPr lang="en-US" dirty="0"/>
               <a:pPr/>
-              <a:t>6/16/2020</a:t>
+              <a:t>4/19/2021</a:t>
             </a:fld>
             <a:endParaRPr lang="en-US" dirty="0"/>
           </a:p>
@@ -2623,7 +2622,7 @@
             <a:fld id="{B61BEF0D-F0BB-DE4B-95CE-6DB70DBA9567}" type="datetimeFigureOut">
               <a:rPr lang="en-US" dirty="0"/>
               <a:pPr/>
-              <a:t>6/16/2020</a:t>
+              <a:t>4/19/2021</a:t>
             </a:fld>
             <a:endParaRPr lang="en-US" dirty="0"/>
           </a:p>
@@ -2790,7 +2789,7 @@
             <a:fld id="{B61BEF0D-F0BB-DE4B-95CE-6DB70DBA9567}" type="datetimeFigureOut">
               <a:rPr lang="en-US" dirty="0"/>
               <a:pPr/>
-              <a:t>6/16/2020</a:t>
+              <a:t>4/19/2021</a:t>
             </a:fld>
             <a:endParaRPr lang="en-US" dirty="0"/>
           </a:p>
@@ -3037,7 +3036,7 @@
             <a:fld id="{B61BEF0D-F0BB-DE4B-95CE-6DB70DBA9567}" type="datetimeFigureOut">
               <a:rPr lang="en-US" dirty="0"/>
               <a:pPr/>
-              <a:t>6/16/2020</a:t>
+              <a:t>4/19/2021</a:t>
             </a:fld>
             <a:endParaRPr lang="en-US" dirty="0"/>
           </a:p>
@@ -3270,7 +3269,7 @@
             <a:fld id="{B61BEF0D-F0BB-DE4B-95CE-6DB70DBA9567}" type="datetimeFigureOut">
               <a:rPr lang="en-US" dirty="0"/>
               <a:pPr/>
-              <a:t>6/16/2020</a:t>
+              <a:t>4/19/2021</a:t>
             </a:fld>
             <a:endParaRPr lang="en-US" dirty="0"/>
           </a:p>
@@ -3649,7 +3648,7 @@
             <a:fld id="{B61BEF0D-F0BB-DE4B-95CE-6DB70DBA9567}" type="datetimeFigureOut">
               <a:rPr lang="en-US" dirty="0"/>
               <a:pPr/>
-              <a:t>6/16/2020</a:t>
+              <a:t>4/19/2021</a:t>
             </a:fld>
             <a:endParaRPr lang="en-US" dirty="0"/>
           </a:p>
@@ -3764,7 +3763,7 @@
             <a:fld id="{B61BEF0D-F0BB-DE4B-95CE-6DB70DBA9567}" type="datetimeFigureOut">
               <a:rPr lang="en-US" dirty="0"/>
               <a:pPr/>
-              <a:t>6/16/2020</a:t>
+              <a:t>4/19/2021</a:t>
             </a:fld>
             <a:endParaRPr lang="en-US" dirty="0"/>
           </a:p>
@@ -3856,7 +3855,7 @@
             <a:fld id="{B61BEF0D-F0BB-DE4B-95CE-6DB70DBA9567}" type="datetimeFigureOut">
               <a:rPr lang="en-US" dirty="0"/>
               <a:pPr/>
-              <a:t>6/16/2020</a:t>
+              <a:t>4/19/2021</a:t>
             </a:fld>
             <a:endParaRPr lang="en-US" dirty="0"/>
           </a:p>
@@ -4108,7 +4107,7 @@
             <a:fld id="{B61BEF0D-F0BB-DE4B-95CE-6DB70DBA9567}" type="datetimeFigureOut">
               <a:rPr lang="en-US" dirty="0"/>
               <a:pPr/>
-              <a:t>6/16/2020</a:t>
+              <a:t>4/19/2021</a:t>
             </a:fld>
             <a:endParaRPr lang="en-US" dirty="0"/>
           </a:p>
@@ -4388,7 +4387,7 @@
             <a:fld id="{B61BEF0D-F0BB-DE4B-95CE-6DB70DBA9567}" type="datetimeFigureOut">
               <a:rPr lang="en-US" dirty="0"/>
               <a:pPr/>
-              <a:t>6/16/2020</a:t>
+              <a:t>4/19/2021</a:t>
             </a:fld>
             <a:endParaRPr lang="en-US" dirty="0"/>
           </a:p>
@@ -4791,7 +4790,7 @@
             <a:fld id="{B61BEF0D-F0BB-DE4B-95CE-6DB70DBA9567}" type="datetimeFigureOut">
               <a:rPr lang="en-US" dirty="0"/>
               <a:pPr/>
-              <a:t>6/16/2020</a:t>
+              <a:t>4/19/2021</a:t>
             </a:fld>
             <a:endParaRPr lang="en-US" dirty="0"/>
           </a:p>
@@ -6296,7 +6295,7 @@
         <p:spPr>
           <a:xfrm>
             <a:off x="481263" y="1413893"/>
-            <a:ext cx="11189369" cy="5262979"/>
+            <a:ext cx="11189369" cy="4524315"/>
           </a:xfrm>
           <a:prstGeom prst="rect">
             <a:avLst/>
@@ -6344,15 +6343,7 @@
           <a:p>
             <a:r>
               <a:rPr lang="pt-BR" sz="2400" dirty="0"/>
-              <a:t>PRIMARY KEY  - Uma combinação de NOT </a:t>
-            </a:r>
-            <a:r>
-              <a:rPr lang="pt-BR" sz="2400" dirty="0" err="1"/>
-              <a:t>NOT</a:t>
-            </a:r>
-            <a:r>
-              <a:rPr lang="pt-BR" sz="2400" dirty="0"/>
-              <a:t> NULL e UNIQUE. Identifica exclusivamente cada linha em uma tabela</a:t>
+              <a:t>PRIMARY KEY  - Uma combinação de NOT NULL e UNIQUE. Identifica exclusivamente cada linha em uma tabela</a:t>
             </a:r>
           </a:p>
           <a:p>
@@ -6371,12 +6362,6 @@
             <a:r>
               <a:rPr lang="pt-BR" sz="2400" dirty="0"/>
               <a:t>DEFAULT - Define um valor padrão para uma coluna quando nenhum valor é especificado</a:t>
-            </a:r>
-          </a:p>
-          <a:p>
-            <a:r>
-              <a:rPr lang="pt-BR" sz="2400" dirty="0"/>
-              <a:t>INDEX - Usado para criar e recuperar dados do banco de dados muito rapidamente</a:t>
             </a:r>
           </a:p>
         </p:txBody>
@@ -6777,110 +6762,6 @@
 </file>
 
 <file path=ppt/slides/slide8.xml><?xml version="1.0" encoding="utf-8"?>
-<p:sld xmlns:a="http://schemas.openxmlformats.org/drawingml/2006/main" xmlns:r="http://schemas.openxmlformats.org/officeDocument/2006/relationships" xmlns:p="http://schemas.openxmlformats.org/presentationml/2006/main">
-  <p:cSld>
-    <p:spTree>
-      <p:nvGrpSpPr>
-        <p:cNvPr id="1" name=""/>
-        <p:cNvGrpSpPr/>
-        <p:nvPr/>
-      </p:nvGrpSpPr>
-      <p:grpSpPr>
-        <a:xfrm>
-          <a:off x="0" y="0"/>
-          <a:ext cx="0" cy="0"/>
-          <a:chOff x="0" y="0"/>
-          <a:chExt cx="0" cy="0"/>
-        </a:xfrm>
-      </p:grpSpPr>
-      <p:sp>
-        <p:nvSpPr>
-          <p:cNvPr id="9" name="CaixaDeTexto 8">
-            <a:extLst>
-              <a:ext uri="{FF2B5EF4-FFF2-40B4-BE49-F238E27FC236}">
-                <a16:creationId xmlns:a16="http://schemas.microsoft.com/office/drawing/2014/main" id="{7A02424A-D3F7-49ED-9272-AE38106E51E9}"/>
-              </a:ext>
-            </a:extLst>
-          </p:cNvPr>
-          <p:cNvSpPr txBox="1"/>
-          <p:nvPr/>
-        </p:nvSpPr>
-        <p:spPr>
-          <a:xfrm>
-            <a:off x="2139628" y="308826"/>
-            <a:ext cx="7912744" cy="923330"/>
-          </a:xfrm>
-          <a:prstGeom prst="rect">
-            <a:avLst/>
-          </a:prstGeom>
-          <a:noFill/>
-        </p:spPr>
-        <p:txBody>
-          <a:bodyPr wrap="none" rtlCol="0">
-            <a:spAutoFit/>
-          </a:bodyPr>
-          <a:lstStyle/>
-          <a:p>
-            <a:pPr algn="ctr"/>
-            <a:r>
-              <a:rPr lang="pt-BR" sz="5400" dirty="0"/>
-              <a:t>Restrições (</a:t>
-            </a:r>
-            <a:r>
-              <a:rPr lang="pt-BR" sz="5400" dirty="0" err="1"/>
-              <a:t>Constraints</a:t>
-            </a:r>
-            <a:r>
-              <a:rPr lang="pt-BR" sz="5400" dirty="0"/>
-              <a:t>)</a:t>
-            </a:r>
-          </a:p>
-        </p:txBody>
-      </p:sp>
-      <p:pic>
-        <p:nvPicPr>
-          <p:cNvPr id="2" name="Imagem 1">
-            <a:extLst>
-              <a:ext uri="{FF2B5EF4-FFF2-40B4-BE49-F238E27FC236}">
-                <a16:creationId xmlns:a16="http://schemas.microsoft.com/office/drawing/2014/main" id="{25DB8D7D-A28D-4368-8763-64D84C5C1757}"/>
-              </a:ext>
-            </a:extLst>
-          </p:cNvPr>
-          <p:cNvPicPr>
-            <a:picLocks noChangeAspect="1"/>
-          </p:cNvPicPr>
-          <p:nvPr/>
-        </p:nvPicPr>
-        <p:blipFill>
-          <a:blip r:embed="rId2"/>
-          <a:stretch>
-            <a:fillRect/>
-          </a:stretch>
-        </p:blipFill>
-        <p:spPr>
-          <a:xfrm>
-            <a:off x="2263614" y="2105272"/>
-            <a:ext cx="7554438" cy="3691094"/>
-          </a:xfrm>
-          <a:prstGeom prst="rect">
-            <a:avLst/>
-          </a:prstGeom>
-        </p:spPr>
-      </p:pic>
-    </p:spTree>
-    <p:extLst>
-      <p:ext uri="{BB962C8B-B14F-4D97-AF65-F5344CB8AC3E}">
-        <p14:creationId xmlns:p14="http://schemas.microsoft.com/office/powerpoint/2010/main" val="1776824681"/>
-      </p:ext>
-    </p:extLst>
-  </p:cSld>
-  <p:clrMapOvr>
-    <a:masterClrMapping/>
-  </p:clrMapOvr>
-</p:sld>
-</file>
-
-<file path=ppt/slides/slide9.xml><?xml version="1.0" encoding="utf-8"?>
 <p:sld xmlns:a="http://schemas.openxmlformats.org/drawingml/2006/main" xmlns:r="http://schemas.openxmlformats.org/officeDocument/2006/relationships" xmlns:p="http://schemas.openxmlformats.org/presentationml/2006/main">
   <p:cSld>
     <p:spTree>
